--- a/Daily Agendas/Day05.2 - WrittenTest.pptx
+++ b/Daily Agendas/Day05.2 - WrittenTest.pptx
@@ -243,7 +243,7 @@
           <a:p>
             <a:fld id="{69DBCF37-83FE-4516-BE5A-9F53FA57CCFA}" type="datetimeFigureOut">
               <a:rPr lang="en-US" smtClean="0"/>
-              <a:t>3/3/2020</a:t>
+              <a:t>3/4/2020</a:t>
             </a:fld>
             <a:endParaRPr lang="en-US"/>
           </a:p>
@@ -413,7 +413,7 @@
           <a:p>
             <a:fld id="{69DBCF37-83FE-4516-BE5A-9F53FA57CCFA}" type="datetimeFigureOut">
               <a:rPr lang="en-US" smtClean="0"/>
-              <a:t>3/3/2020</a:t>
+              <a:t>3/4/2020</a:t>
             </a:fld>
             <a:endParaRPr lang="en-US"/>
           </a:p>
@@ -593,7 +593,7 @@
           <a:p>
             <a:fld id="{69DBCF37-83FE-4516-BE5A-9F53FA57CCFA}" type="datetimeFigureOut">
               <a:rPr lang="en-US" smtClean="0"/>
-              <a:t>3/3/2020</a:t>
+              <a:t>3/4/2020</a:t>
             </a:fld>
             <a:endParaRPr lang="en-US"/>
           </a:p>
@@ -763,7 +763,7 @@
           <a:p>
             <a:fld id="{69DBCF37-83FE-4516-BE5A-9F53FA57CCFA}" type="datetimeFigureOut">
               <a:rPr lang="en-US" smtClean="0"/>
-              <a:t>3/3/2020</a:t>
+              <a:t>3/4/2020</a:t>
             </a:fld>
             <a:endParaRPr lang="en-US"/>
           </a:p>
@@ -1007,7 +1007,7 @@
           <a:p>
             <a:fld id="{69DBCF37-83FE-4516-BE5A-9F53FA57CCFA}" type="datetimeFigureOut">
               <a:rPr lang="en-US" smtClean="0"/>
-              <a:t>3/3/2020</a:t>
+              <a:t>3/4/2020</a:t>
             </a:fld>
             <a:endParaRPr lang="en-US"/>
           </a:p>
@@ -1239,7 +1239,7 @@
           <a:p>
             <a:fld id="{69DBCF37-83FE-4516-BE5A-9F53FA57CCFA}" type="datetimeFigureOut">
               <a:rPr lang="en-US" smtClean="0"/>
-              <a:t>3/3/2020</a:t>
+              <a:t>3/4/2020</a:t>
             </a:fld>
             <a:endParaRPr lang="en-US"/>
           </a:p>
@@ -1606,7 +1606,7 @@
           <a:p>
             <a:fld id="{69DBCF37-83FE-4516-BE5A-9F53FA57CCFA}" type="datetimeFigureOut">
               <a:rPr lang="en-US" smtClean="0"/>
-              <a:t>3/3/2020</a:t>
+              <a:t>3/4/2020</a:t>
             </a:fld>
             <a:endParaRPr lang="en-US"/>
           </a:p>
@@ -1724,7 +1724,7 @@
           <a:p>
             <a:fld id="{69DBCF37-83FE-4516-BE5A-9F53FA57CCFA}" type="datetimeFigureOut">
               <a:rPr lang="en-US" smtClean="0"/>
-              <a:t>3/3/2020</a:t>
+              <a:t>3/4/2020</a:t>
             </a:fld>
             <a:endParaRPr lang="en-US"/>
           </a:p>
@@ -1819,7 +1819,7 @@
           <a:p>
             <a:fld id="{69DBCF37-83FE-4516-BE5A-9F53FA57CCFA}" type="datetimeFigureOut">
               <a:rPr lang="en-US" smtClean="0"/>
-              <a:t>3/3/2020</a:t>
+              <a:t>3/4/2020</a:t>
             </a:fld>
             <a:endParaRPr lang="en-US"/>
           </a:p>
@@ -2096,7 +2096,7 @@
           <a:p>
             <a:fld id="{69DBCF37-83FE-4516-BE5A-9F53FA57CCFA}" type="datetimeFigureOut">
               <a:rPr lang="en-US" smtClean="0"/>
-              <a:t>3/3/2020</a:t>
+              <a:t>3/4/2020</a:t>
             </a:fld>
             <a:endParaRPr lang="en-US"/>
           </a:p>
@@ -2353,7 +2353,7 @@
           <a:p>
             <a:fld id="{69DBCF37-83FE-4516-BE5A-9F53FA57CCFA}" type="datetimeFigureOut">
               <a:rPr lang="en-US" smtClean="0"/>
-              <a:t>3/3/2020</a:t>
+              <a:t>3/4/2020</a:t>
             </a:fld>
             <a:endParaRPr lang="en-US"/>
           </a:p>
@@ -2566,7 +2566,7 @@
           <a:p>
             <a:fld id="{69DBCF37-83FE-4516-BE5A-9F53FA57CCFA}" type="datetimeFigureOut">
               <a:rPr lang="en-US" smtClean="0"/>
-              <a:t>3/3/2020</a:t>
+              <a:t>3/4/2020</a:t>
             </a:fld>
             <a:endParaRPr lang="en-US"/>
           </a:p>
@@ -2991,15 +2991,7 @@
             <a:pPr algn="ctr"/>
             <a:r>
               <a:rPr lang="en-CA" dirty="0" smtClean="0"/>
-              <a:t>Written </a:t>
-            </a:r>
-            <a:r>
-              <a:rPr lang="en-CA" dirty="0" smtClean="0"/>
-              <a:t>Test – Mar </a:t>
-            </a:r>
-            <a:r>
-              <a:rPr lang="en-CA" dirty="0" smtClean="0"/>
-              <a:t>03</a:t>
+              <a:t>Written Test – Mar 03</a:t>
             </a:r>
             <a:r>
               <a:rPr lang="en-CA" dirty="0"/>
@@ -3048,7 +3040,6 @@
               <a:rPr lang="en-CA" dirty="0" smtClean="0"/>
               <a:t>Written Test</a:t>
             </a:r>
-            <a:endParaRPr lang="en-CA" dirty="0" smtClean="0"/>
           </a:p>
           <a:p>
             <a:pPr marL="1371600" lvl="2" indent="-457200">
@@ -3059,7 +3050,6 @@
               <a:rPr lang="en-CA" sz="2400" dirty="0" smtClean="0"/>
               <a:t>Knowledge Test</a:t>
             </a:r>
-            <a:endParaRPr lang="en-CA" sz="2400" dirty="0" smtClean="0"/>
           </a:p>
           <a:p>
             <a:pPr marL="1371600" lvl="2" indent="-457200">
@@ -3070,7 +3060,6 @@
               <a:rPr lang="en-CA" sz="2400" dirty="0" smtClean="0"/>
               <a:t>Learning Skills Self Evaluation</a:t>
             </a:r>
-            <a:endParaRPr lang="en-CA" sz="2400" dirty="0" smtClean="0"/>
           </a:p>
           <a:p>
             <a:pPr lvl="1"/>
@@ -3096,13 +3085,8 @@
             <a:pPr lvl="1"/>
             <a:r>
               <a:rPr lang="en-CA" dirty="0" smtClean="0"/>
-              <a:t>Tomorrow: </a:t>
-            </a:r>
-            <a:r>
-              <a:rPr lang="en-CA" dirty="0" smtClean="0"/>
-              <a:t>Begin Unit 2 – First 20 Elements</a:t>
-            </a:r>
-            <a:endParaRPr lang="en-CA" dirty="0" smtClean="0"/>
+              <a:t>Tomorrow: Begin Unit 2 – First 20 Elements</a:t>
+            </a:r>
           </a:p>
           <a:p>
             <a:endParaRPr lang="en-US" dirty="0"/>
